--- a/Manufacturing+Downtime.pptx
+++ b/Manufacturing+Downtime.pptx
@@ -7,6 +7,7 @@
   <p:sldIdLst>
     <p:sldId id="258" r:id="rId5"/>
     <p:sldId id="257" r:id="rId6"/>
+    <p:sldId id="259" r:id="rId7"/>
   </p:sldIdLst>
   <p:sldSz cx="12192000" cy="6858000"/>
   <p:notesSz cx="6858000" cy="9144000"/>
@@ -260,7 +261,7 @@
           <a:p>
             <a:fld id="{37A2730A-859E-B540-ADF3-E97069AD1FDB}" type="datetimeFigureOut">
               <a:rPr lang="en-US" smtClean="0"/>
-              <a:t>6/28/2025</a:t>
+              <a:t>9/13/2025</a:t>
             </a:fld>
             <a:endParaRPr lang="en-US"/>
           </a:p>
@@ -458,7 +459,7 @@
           <a:p>
             <a:fld id="{37A2730A-859E-B540-ADF3-E97069AD1FDB}" type="datetimeFigureOut">
               <a:rPr lang="en-US" smtClean="0"/>
-              <a:t>6/28/2025</a:t>
+              <a:t>9/13/2025</a:t>
             </a:fld>
             <a:endParaRPr lang="en-US"/>
           </a:p>
@@ -666,7 +667,7 @@
           <a:p>
             <a:fld id="{37A2730A-859E-B540-ADF3-E97069AD1FDB}" type="datetimeFigureOut">
               <a:rPr lang="en-US" smtClean="0"/>
-              <a:t>6/28/2025</a:t>
+              <a:t>9/13/2025</a:t>
             </a:fld>
             <a:endParaRPr lang="en-US"/>
           </a:p>
@@ -864,7 +865,7 @@
           <a:p>
             <a:fld id="{37A2730A-859E-B540-ADF3-E97069AD1FDB}" type="datetimeFigureOut">
               <a:rPr lang="en-US" smtClean="0"/>
-              <a:t>6/28/2025</a:t>
+              <a:t>9/13/2025</a:t>
             </a:fld>
             <a:endParaRPr lang="en-US"/>
           </a:p>
@@ -1139,7 +1140,7 @@
           <a:p>
             <a:fld id="{37A2730A-859E-B540-ADF3-E97069AD1FDB}" type="datetimeFigureOut">
               <a:rPr lang="en-US" smtClean="0"/>
-              <a:t>6/28/2025</a:t>
+              <a:t>9/13/2025</a:t>
             </a:fld>
             <a:endParaRPr lang="en-US"/>
           </a:p>
@@ -1404,7 +1405,7 @@
           <a:p>
             <a:fld id="{37A2730A-859E-B540-ADF3-E97069AD1FDB}" type="datetimeFigureOut">
               <a:rPr lang="en-US" smtClean="0"/>
-              <a:t>6/28/2025</a:t>
+              <a:t>9/13/2025</a:t>
             </a:fld>
             <a:endParaRPr lang="en-US"/>
           </a:p>
@@ -1816,7 +1817,7 @@
           <a:p>
             <a:fld id="{37A2730A-859E-B540-ADF3-E97069AD1FDB}" type="datetimeFigureOut">
               <a:rPr lang="en-US" smtClean="0"/>
-              <a:t>6/28/2025</a:t>
+              <a:t>9/13/2025</a:t>
             </a:fld>
             <a:endParaRPr lang="en-US"/>
           </a:p>
@@ -1957,7 +1958,7 @@
           <a:p>
             <a:fld id="{37A2730A-859E-B540-ADF3-E97069AD1FDB}" type="datetimeFigureOut">
               <a:rPr lang="en-US" smtClean="0"/>
-              <a:t>6/28/2025</a:t>
+              <a:t>9/13/2025</a:t>
             </a:fld>
             <a:endParaRPr lang="en-US"/>
           </a:p>
@@ -2070,7 +2071,7 @@
           <a:p>
             <a:fld id="{37A2730A-859E-B540-ADF3-E97069AD1FDB}" type="datetimeFigureOut">
               <a:rPr lang="en-US" smtClean="0"/>
-              <a:t>6/28/2025</a:t>
+              <a:t>9/13/2025</a:t>
             </a:fld>
             <a:endParaRPr lang="en-US"/>
           </a:p>
@@ -2381,7 +2382,7 @@
           <a:p>
             <a:fld id="{37A2730A-859E-B540-ADF3-E97069AD1FDB}" type="datetimeFigureOut">
               <a:rPr lang="en-US" smtClean="0"/>
-              <a:t>6/28/2025</a:t>
+              <a:t>9/13/2025</a:t>
             </a:fld>
             <a:endParaRPr lang="en-US"/>
           </a:p>
@@ -2669,7 +2670,7 @@
           <a:p>
             <a:fld id="{37A2730A-859E-B540-ADF3-E97069AD1FDB}" type="datetimeFigureOut">
               <a:rPr lang="en-US" smtClean="0"/>
-              <a:t>6/28/2025</a:t>
+              <a:t>9/13/2025</a:t>
             </a:fld>
             <a:endParaRPr lang="en-US"/>
           </a:p>
@@ -2910,7 +2911,7 @@
           <a:p>
             <a:fld id="{37A2730A-859E-B540-ADF3-E97069AD1FDB}" type="datetimeFigureOut">
               <a:rPr lang="en-US" smtClean="0"/>
-              <a:t>6/28/2025</a:t>
+              <a:t>9/13/2025</a:t>
             </a:fld>
             <a:endParaRPr lang="en-US"/>
           </a:p>
@@ -3629,6 +3630,102 @@
 </p:sld>
 </file>
 
+<file path=ppt/slides/slide3.xml><?xml version="1.0" encoding="utf-8"?>
+<p:sld xmlns:a="http://schemas.openxmlformats.org/drawingml/2006/main" xmlns:r="http://schemas.openxmlformats.org/officeDocument/2006/relationships" xmlns:p="http://schemas.openxmlformats.org/presentationml/2006/main">
+  <p:cSld>
+    <p:spTree>
+      <p:nvGrpSpPr>
+        <p:cNvPr id="1" name=""/>
+        <p:cNvGrpSpPr/>
+        <p:nvPr/>
+      </p:nvGrpSpPr>
+      <p:grpSpPr>
+        <a:xfrm>
+          <a:off x="0" y="0"/>
+          <a:ext cx="0" cy="0"/>
+          <a:chOff x="0" y="0"/>
+          <a:chExt cx="0" cy="0"/>
+        </a:xfrm>
+      </p:grpSpPr>
+      <mc:AlternateContent xmlns:mc="http://schemas.openxmlformats.org/markup-compatibility/2006">
+        <mc:Choice xmlns:we="http://schemas.microsoft.com/office/webextensions/webextension/2010/11" xmlns:pca="http://schemas.microsoft.com/office/powerpoint/2013/contentapp" Requires="we pca">
+          <p:graphicFrame>
+            <p:nvGraphicFramePr>
+              <p:cNvPr id="4" name="Add-in 3" title="Microsoft Power BI">
+                <a:extLst>
+                  <a:ext uri="{FF2B5EF4-FFF2-40B4-BE49-F238E27FC236}">
+                    <a16:creationId xmlns:a16="http://schemas.microsoft.com/office/drawing/2014/main" id="{94710E06-A4F4-4258-9C89-E504C3292F45}"/>
+                  </a:ext>
+                </a:extLst>
+              </p:cNvPr>
+              <p:cNvGraphicFramePr>
+                <a:graphicFrameLocks noGrp="1"/>
+              </p:cNvGraphicFramePr>
+              <p:nvPr>
+                <p:extLst>
+                  <p:ext uri="{D42A27DB-BD31-4B8C-83A1-F6EECF244321}">
+                    <p14:modId xmlns:p14="http://schemas.microsoft.com/office/powerpoint/2010/main" val="1272451945"/>
+                  </p:ext>
+                </p:extLst>
+              </p:nvPr>
+            </p:nvGraphicFramePr>
+            <p:xfrm>
+              <a:off x="0" y="0"/>
+              <a:ext cx="12192000" cy="6858000"/>
+            </p:xfrm>
+            <a:graphic>
+              <a:graphicData uri="http://schemas.microsoft.com/office/webextensions/webextension/2010/11">
+                <we:webextensionref xmlns:we="http://schemas.microsoft.com/office/webextensions/webextension/2010/11" xmlns:r="http://schemas.openxmlformats.org/officeDocument/2006/relationships" r:id="rId2"/>
+              </a:graphicData>
+            </a:graphic>
+          </p:graphicFrame>
+        </mc:Choice>
+        <mc:Fallback>
+          <p:pic>
+            <p:nvPicPr>
+              <p:cNvPr id="4" name="Add-in 3" title="Microsoft Power BI">
+                <a:extLst>
+                  <a:ext uri="{FF2B5EF4-FFF2-40B4-BE49-F238E27FC236}">
+                    <a16:creationId xmlns:a16="http://schemas.microsoft.com/office/drawing/2014/main" id="{94710E06-A4F4-4258-9C89-E504C3292F45}"/>
+                  </a:ext>
+                </a:extLst>
+              </p:cNvPr>
+              <p:cNvPicPr>
+                <a:picLocks noGrp="1" noRot="1" noChangeAspect="1" noMove="1" noResize="1" noEditPoints="1" noAdjustHandles="1" noChangeArrowheads="1" noChangeShapeType="1"/>
+              </p:cNvPicPr>
+              <p:nvPr/>
+            </p:nvPicPr>
+            <p:blipFill>
+              <a:blip r:embed="rId3"/>
+              <a:stretch>
+                <a:fillRect/>
+              </a:stretch>
+            </p:blipFill>
+            <p:spPr>
+              <a:xfrm>
+                <a:off x="0" y="0"/>
+                <a:ext cx="12192000" cy="6858000"/>
+              </a:xfrm>
+              <a:prstGeom prst="rect">
+                <a:avLst/>
+              </a:prstGeom>
+            </p:spPr>
+          </p:pic>
+        </mc:Fallback>
+      </mc:AlternateContent>
+    </p:spTree>
+    <p:extLst>
+      <p:ext uri="{BB962C8B-B14F-4D97-AF65-F5344CB8AC3E}">
+        <p14:creationId xmlns:p14="http://schemas.microsoft.com/office/powerpoint/2010/main" val="3967832646"/>
+      </p:ext>
+    </p:extLst>
+  </p:cSld>
+  <p:clrMapOvr>
+    <a:masterClrMapping/>
+  </p:clrMapOvr>
+</p:sld>
+</file>
+
 <file path=ppt/theme/theme1.xml><?xml version="1.0" encoding="utf-8"?>
 <a:theme xmlns:a="http://schemas.openxmlformats.org/drawingml/2006/main" name="Office Theme">
   <a:themeElements>
@@ -3932,22 +4029,50 @@
   </we:alternateReferences>
   <we:properties>
     <we:property name="backgroundColor" value="&quot;#FFFFFF&quot;"/>
-    <we:property name="bookmark" value="&quot;H4sIAAAAAAAAA9VYS2/bOBD+KwLPQkGJeuawQPMCCgS7wSZID4schuTIYStLBkW79Qb+7zuk5E3qzQsonK4vBjkcDb/5hpwZ+p5pMyxaWP8Oc2RH7Ljvv87Bfo0SFrNulEnFJTS8qkQBsuagUyhotV8403cDO7pnDuwM3Y0ZltB6QyT8i2VVAwpq4JBmushErZVmtzGDtr2EmddpoB0wZgu0Q99Ba/7G0QQtObvETczw+6LtLfiNrhw49JutSJ3mBCz5IAgHKGdWeIXKjVKV6EalCFALIWXCIclSUhtGhYD3SRWSN6Z1ZN0P5frs+8KSH/dbGjAv86TmSouy5EqqTAhPklsv/OoJoZv11ihoSTga8nZutmjTmJ3bfh4sTmR7zbPOGbemyYXpMFrYXi+9P14Ws+tgm2+Itc93aDF8fNJ32oy+3rNP4ddDxWEY3Qsq7XK+s+JnV/3SKvwTm4dJgLEhqi9tT4EIUI7BqTsS0rY30C5DOMnqhSGfyD3vlReTZpamiSgvvO7thn7GkD3a8U1IXuDgGWQxu+u/nVgk0jU7yj1Sub620A0GOzcdlYfQue3K+RiXQw+QGSLyvY2kpyNyZo7Rb9HcdI8Ebwqfv2XvFru3gd6JbEyf/RvXKS14pKuQKIhpB7TveGU5bxrM0iTNRJphphLIwcsH083aKbWEBBJGY+hC9ui746Vz5BwlNfmF8oQ3t/FYkjyRutKa53ValrnKJMLziWJKBR/1CjpF8HcJ/TibWZzB9mic7ZPtP2gArrdBfr7spuwodhnmgc4XKVJg9X+pKXQldFNnwCuZlUWNTYGHQc3luLY3ZpK0EZBXpSiaFKRuEhTVYTBz3sJqj0fmyY7gIIi5ot5kb7RQhimyms5LnueSEk6JMj8MWk59nd0HLTSxGu3xOrh8auy2u0viHeS/3l3yj0RpUlcKC1kWvKwLLIVM61eD+GPTuNfqe9p/60LNpSu4LQs/hin+f52tC5hF19ue4IFw/hLwd+Tz0xAZF0EX9VOhjc6sfZLX149/QHZyB9a98Rakv/IWPB8YH4mXUL5bCHzrOz4LSf3Lo4ffdEDWb2/Cf+aG3Yb0XpZQVrzIKsVFVsgiK7g6jPQ+mdtfO4BVw0Wik7xWVPgyWYtDIiZK90RNYOdBwuZoZ6G37pduWIDCS+jGp+ZixGQw6BEh0GnU0zg8b5949YW/XVjYhKAY2eIrH0zPxLHUbTb/AByvA6s0EgAA&quot;"/>
-    <we:property name="creatorSessionId" value="&quot;dba27f0d-0da0-41af-a85f-d7571c7828ff&quot;"/>
+    <we:property name="bookmark" value="&quot;H4sIAAAAAAAAA81V30/bMBD+VyK/8BJNadOUhDcoRUJiGxqoPEw8XOJLMKRx5DiFrur/vju73RgqHdIEWqVG9vnz+bsf/rwSUnVtDcsvMEdxJE60fpiDeQgGIhSNtw0GYyggBRgMhzFkpYRRQqu6tUo3nThaCQumQjtTXQ81OyLj99tQQF1fQsWzEuoOQ9Gi6XQDtfqBHkxL1vS4DgU+tbU2wC6vLFhktwuC05wpfIrpRCisWuAVFtZb0/hwhFGRJ3KMaZnFuUwjgnUe4JjthJC9VLUl7zzMl9On1hDj1TbgZFSmqcwHZXZYDksZZ5jy8XbZ8uqE2FXaqAJqMnpH7Ge2ZTsMxZnRc+dxk1ZGThur7JImF6rBoDVa9hwP20Jx7XxHa8razR0adJsnupHKx7oS5+7LVLHrfHgOUvfzFys8u9K9KfAblr8njsaaUn1pNBXCUflKA7DakJ1OnkHdu9qR4wtFYVGEHBibCXzwGYoDRt6u6eNr9uzIN1HZk4TXqYXiTj9ODFLipThK3NkL1z+UIQvkyVcyyuEwgnFC3ZoVoyzO0nT4erF3lvNdQzrVj4SdY1BSJ++ILFqHv2gdywU0BVlfcjquKoMVbNti+p6EL6AKromws5/1zebiRfuIf2A+z7tA2QCaQG96JZgaszOv3DGdaqp6oztOXdzIXzxROGaTOzCWpS2/Jw3hhqF92kg0J0vXM6fKbNWHbvn0PywMV2Ifyw8rAQuKF2yC3z+T5E2DLN+uX/9yw1irQpEkA5mm41Eqh0D/cR5jyp739gQ4zie9tcTpj6Zwv+cWMUd6AXmge9u1UOAlNF7EW89OocPRfYBGclO6sXs4dkitey+FO4QoqbzGv2zgV1Q4Whzw+ic7IK1t1wcAAA==&quot;"/>
+    <we:property name="creatorSessionId" value="&quot;b4924d4f-f161-4020-b01f-e3c7ed13d69f&quot;"/>
     <we:property name="creatorTenantId" value="&quot;dacd2b88-5982-4eca-8fc3-d5adb76c4def&quot;"/>
     <we:property name="creatorUserId" value="&quot;1003BFFDA874EE21&quot;"/>
-    <we:property name="datasetId" value="&quot;000c1173-61ce-4e70-a0b4-9a7a8c6d4928&quot;"/>
-    <we:property name="embedUrl" value="&quot;/reportEmbed?reportId=26ed313f-90d7-4df7-bf8d-7725ebfd7361&amp;config=eyJjbHVzdGVyVXJsIjoiaHR0cHM6Ly9XQUJJLU5PUlRILUVVUk9QRS1yZWRpcmVjdC5hbmFseXNpcy53aW5kb3dzLm5ldCIsImVtYmVkRmVhdHVyZXMiOnsidXNhZ2VNZXRyaWNzVk5leHQiOnRydWV9fQ%3D%3D&amp;disableSensitivityBanner=true&amp;storytellingChangeViewModeShortcutKeys=true&quot;"/>
-    <we:property name="initialStateBookmark" value="&quot;H4sIAAAAAAAAA81WXU/bMBT9K5GfNqmakoZSwsOkUjpp4lMw8TJV0619EwyuHdkOo0P977t2gmATo1O1lj3FObm5Pvfc448HJqSrFSxOYY5snx0YczsHe5tkrMd0h52dHZ2MLo6+nY5OJgSb2kujHdt/YB5shf5KugZUyEDg12mPgVLnUIW3EpTDHqvROqNByR/YBtMnbxtc9hje18pYCCkvPXgMae8onN5p7uxDTjMC9/IOL5H7Fi1FuZMO0kG2O+S8LIoy39mjMNcGRGYvhoTUcfqx0R6kpmkCViDulv28GGQiS2d5notiGHNI5buQ2WJyX1uqjmpe1EGVkbgDzVGwWIJF1zJ+YGOjmnkcTX7BL01jOV5gGT9pL/2C0hwTi6S2RjShxoAtSZRza0iyGHAAnl9H8Np8H1skiQTbT5e91UxGVWWxAt+9TjZJ87Bpe/huLnXj0b2PAZ8a3fUsfa2CMUGVsZKD2rSc0iXEQCWzIGvi5RyTjwlxfga8IPaUECd1pTr7PjnpS1sBV40jr6Bo6Y6vwfqwVGY35MngIEpgrEB7sIgmOpT20c393m+V/WdtC316je6bNGg5fdwV6NebZ+u+s1Kr8oaW4jSIwkAIyIqinyHPZzzd2+MCV+4aW3T6Z5dIn4BOAgLe2GRirbHruNspydGu6+et1fVHU1yBauLZtEUyrUnSNM/EUPSBA+SQD4Y7f3G0bNEkZx3t9Q6YEwTXWPxnbB7zvfEGvLmy3mTbetbjYMroyydd2BzpDhcGpvGuBo7noDHyqNscEmMctR60CO2IYxuex5I0b7sR11i4m4UbH4uTUIPkTOGKH8I9kEVakd1PtWg5eJIKAAA=&quot;"/>
-    <we:property name="isFiltersActionButtonVisible" value="true"/>
-    <we:property name="isFooterCollapsed" value="true"/>
+    <we:property name="datasetId" value="&quot;4ded6733-7f85-407b-9595-8d61e4d4e8e0&quot;"/>
+    <we:property name="embedUrl" value="&quot;/reportEmbed?reportId=747fa62c-e832-46e4-9baf-f59f24d970e0&amp;config=eyJjbHVzdGVyVXJsIjoiaHR0cHM6Ly9XQUJJLU5PUlRILUVVUk9QRS1yZWRpcmVjdC5hbmFseXNpcy53aW5kb3dzLm5ldCIsImVtYmVkRmVhdHVyZXMiOnsidXNhZ2VNZXRyaWNzVk5leHQiOnRydWV9fQ%3D%3D&amp;disableSensitivityBanner=true&amp;storytellingChangeViewModeShortcutKeys=true&quot;"/>
+    <we:property name="initialStateBookmark" value="&quot;H4sIAAAAAAAAA+VX227bMAz9FcMv7YBg8CVx4j4MSNIMGLpe0A59GYKBkehUrWMZktwuC/Lvo2T3ivSCYultbzZNk4eHRzS98LnQZQ7zPZihv+UPpDybgTrzQr/lF41tf39nt3+482uvvzsisyyNkIX2txa+ATVFcyx0BbmNQMaf45YPeX4AU3uXQa6x5ZeotCwgF3+wdqZHRlW4bPn4u8ylAhvyyIBBG/ac3OmecoefY8oIzIhzPEJmamvGs3bQCTph0mUsS9MsbvfITdcODtlKFxvapR/KwoAoKI21pYhJFsVpJ+RhMInjmKddF0PkpnGZzEe/S0XVUc3z0rIyJKxTqQSD3HdVKNQ16IU/lHk1c1ejW/YjWSmGh5i5R4URZk6RvhMQr1SSV7ZMa1sSLwdKEmvOYQCGnTjjibwYKqTM3N8Klq0rMH1+DgUj610k/elU4RRMcztaJ8ztqm7j5kwUlUH9yTl8rYqmbcFDFbwgnUJ7hCD3JpZWz4gZel88wnzDsILsMVm0KKZ5o+BrMf2oK2B5pUkuyGu4wxNQxp6WySnJ0oqIAkjFUQ3mTkfbQl0KOmrdqeyNtc326SG4r9Kg5fhyMNCrpzeOfiOlmuU1HcWxJcUHziFM0yhEFk9Y0Osxjm9pcHzTnjAeFJ61gJHKGykl1XPUrXPBUN3Ssz9Dmv72goMBV2JZ5xZYP5c1HegYWBBeYqWOfQx5ZcNuDEALtmHb6Uh9+hF5Maru1ZmrQa9DZfeDqXUXBHHIuzwCBhBD3Om239YHa7+B/bxv1i6CrhT+MzSX8V55pq+vrFeZhDd63AxDzIDRvtXusR4tW92ox+FRUb7XxeVx5YDiH+Xr7+ZykrB21snaOImTNEsijLqT99He25vDZoEX/1ODn1R93eIgAd5ltNEwaCccYpZ03kmLr/+QrsuKPnBT76nXTWK3RK1Y0mRldAkMD6DAFcsaNQ8Kbnl6cGFzP/S+S0LMiUn+2IZnf/Ov1rvl8i+FF944cRAAAA==&quot;"/>
+    <we:property name="isFiltersActionButtonVisible" value="false"/>
     <we:property name="isVisualContainerHeaderHidden" value="false"/>
-    <we:property name="pageDisplayName" value="&quot;deails&quot;"/>
-    <we:property name="pageName" value="&quot;c1dfc2eaa933bb10a142&quot;"/>
-    <we:property name="reportEmbeddedTime" value="&quot;2024-12-20T19:39:44.849Z&quot;"/>
+    <we:property name="pageDisplayName" value="&quot;KPI'S&quot;"/>
+    <we:property name="pageName" value="&quot;fdf40505167ccf99f348&quot;"/>
+    <we:property name="reportEmbeddedTime" value="&quot;2025-09-13T03:25:07.635Z&quot;"/>
     <we:property name="reportName" value="&quot;Manufacturing+Downtime&quot;"/>
     <we:property name="reportState" value="&quot;CONNECTED&quot;"/>
-    <we:property name="reportUrl" value="&quot;/groups/me/reports/26ed313f-90d7-4df7-bf8d-7725ebfd7361/c1dfc2eaa933bb10a142?bookmarkGuid=ecfc343d-ad5b-4b44-9c29-fd20bc644a17&amp;bookmarkUsage=1&amp;ctid=dacd2b88-5982-4eca-8fc3-d5adb76c4def&amp;fromEntryPoint=export&amp;pbi_source=storytelling_addin&quot;"/>
+    <we:property name="reportUrl" value="&quot;/groups/me/reports/747fa62c-e832-46e4-9baf-f59f24d970e0/fdf40505167ccf99f348?bookmarkGuid=1a6991c7-31eb-4800-b106-8dd8b8d4b12d&amp;bookmarkUsage=1&amp;ctid=dacd2b88-5982-4eca-8fc3-d5adb76c4def&amp;fromEntryPoint=export&amp;pbi_source=storytelling_addin&quot;"/>
+  </we:properties>
+  <we:bindings/>
+  <we:snapshot xmlns:r="http://schemas.openxmlformats.org/officeDocument/2006/relationships" r:embed="rId1"/>
+</we:webextension>
+</file>
+
+<file path=ppt/webextensions/webextension2.xml><?xml version="1.0" encoding="utf-8"?>
+<we:webextension xmlns:we="http://schemas.microsoft.com/office/webextensions/webextension/2010/11" id="{2130EBFE-A27E-4F23-AC5B-72868A45157E}">
+  <we:reference id="wa200003233" version="2.0.0.3" store="en-US" storeType="OMEX"/>
+  <we:alternateReferences>
+    <we:reference id="wa200003233" version="2.0.0.3" store="wa200003233" storeType="OMEX"/>
+  </we:alternateReferences>
+  <we:properties>
+    <we:property name="backgroundColor" value="&quot;#FFFFFF&quot;"/>
+    <we:property name="bookmark" value="&quot;H4sIAAAAAAAAA8VVbW/aMBD+K5G/9Es08f72jVIqVaUFlYppmqrpSC7BrYkjx6EwxH/fnRNUxtCGNLF9ieLz+fzcc3ePtyKUWapg8whLFD1xrfXbEsybVxW+SErbeHz/0H+6//bYfxiSWadW6iQTva2wYGK0M5nloDgCGb+++AKUmkDMqwhUhr5I0WQ6ASW/Y+FMW9bkuPMFrlOlDXDIqQWLHHZF7rSmu6uf6nQjBFaucIqBLaxYA2g1gqhdwVp73upGHWC8WeHgkJ104dDu+oFOLMiErmFbPWhjWOtGzWq9jo1WpVNF5xtJZUuX+Wa4Tg1lt92zgvU5tFqNZqeOtWo3aoSNZpcw2E3KuwPKJNZGBqDIWATiOLN9ZjVf3Bq9dBFL7tlzmFhpN7QYETovNTrMOXe2+eLZxa7siOHPCzToDlMqoSx42Yo792WomGUFFc5F5cujHV5NdW4CfMLoY+Fg7KgsE6OpaA7KXeZJ60HisQWsNt7QGG3IjYDMQOWu7HTPSFKWlDDnyWY6e/UFsyv2fNnRpyj3AYKzkP2Gk7OR+mKh3wcGqSyh6FV3/nZfqX64giQg6zG2fhwbjGFP7fCSwEcQe8+SuoDtt3lSNnrlGHjlAPjPLXZRXm/0O/ku0YtoEk/w+Z9gjcsqn8DDrZbJJFal3nyMfjFEInBQBgswliVt/krawZNO57QJ0Vxv3OjcSLNXHZrYi/bAryQzq/8QwAGdPNmF6NL+64GsltXdnK8rf9Vll8yRFYk5Pii+WCK9Z/yjc5ulEOAEkkJm0yKGxOJ1WaeQhNxq7t9J+wn1c6+fKyQ3n5wr/MMBfhOFg+XQ/QD7/uI2ngcAAA==&quot;"/>
+    <we:property name="creatorSessionId" value="&quot;c1095e08-4bb2-42fa-8d78-44ea65cfcad6&quot;"/>
+    <we:property name="creatorTenantId" value="&quot;dacd2b88-5982-4eca-8fc3-d5adb76c4def&quot;"/>
+    <we:property name="creatorUserId" value="&quot;1003BFFDA874EE21&quot;"/>
+    <we:property name="datasetId" value="&quot;4ded6733-7f85-407b-9595-8d61e4d4e8e0&quot;"/>
+    <we:property name="embedUrl" value="&quot;/reportEmbed?reportId=747fa62c-e832-46e4-9baf-f59f24d970e0&amp;config=eyJjbHVzdGVyVXJsIjoiaHR0cHM6Ly9XQUJJLU5PUlRILUVVUk9QRS1yZWRpcmVjdC5hbmFseXNpcy53aW5kb3dzLm5ldCIsImVtYmVkRmVhdHVyZXMiOnsidXNhZ2VNZXRyaWNzVk5leHQiOnRydWV9fQ%3D%3D&amp;disableSensitivityBanner=true&amp;storytellingChangeViewModeShortcutKeys=true&quot;"/>
+    <we:property name="initialStateBookmark" value="&quot;H4sIAAAAAAAAA8VVbW/aMBD+K5G/9Es08f72jVIqVaUFlYppmqrpSC7BrYkjx6EwxH/fnRNUxtCGNLF9ieLz+fzcc3ePtyKUWapg8whLFD1xrfXbEsybVxW+SErbeHz/0H+6//bYfxiSWadW6iQTva2wYGK0M5nloDgCGb+++AKUmkDMqwhUhr5I0WQ6ASW/Y+FMW9bkuPMFrlOlDXDIqQWLHHZF7rSmu6uf6nQjBFaucIqBLaxYA2g1gqhdwVp73upGHWC8WeHgkJ104dDu+oFOLMiErmFbPWhjWOtGzWq9jo1WpVNF5xtJZUuX+Wa4Tg1lt92zgvU5tFqNZqeOtWo3aoSNZpcw2E3KuwPKJNZGBqDIWATiOLN9ZjVf3Bq9dBFL7tlzmFhpN7QYETovNTrMOXe2+eLZxa7siOHPCzToDlMqoSx42Yo792WomGUFFc5F5cujHV5NdW4CfMLoY+Fg7KgsE6OpaA7KXeZJ60HisQWsNt7QGG3IjYDMQOWu7HTPSFKWlDDnyWY6e/UFsyv2fNnRpyj3AYKzkP2Gk7OR+mKh3wcGqSyh6FV3/nZfqX64giQg6zG2fhwbjGFP7fCSwEcQe8+SuoDtt3lSNnrlGHjlAPjPLXZRXm/0O/ku0YtoEk/w+Z9gjcsqn8DDrZbJJFal3nyMfjFEInBQBgswliVt/krawZNO57QJ0Vxv3OjcSLNXHZrYi/bAryQzq/8QwAGdPNmF6NL+64GsltXdnK8rf9Vll8yRFYk5Pii+WCK9Z/yjc5ulEOAEkkJm0yKGxOJ1WaeQhNxq7t9J+wn1c6+fKyQ3n5wr/MMBfhOFg+XQ/QD7/uI2ngcAAA==&quot;"/>
+    <we:property name="isFiltersActionButtonVisible" value="false"/>
+    <we:property name="isVisualContainerHeaderHidden" value="false"/>
+    <we:property name="pageDisplayName" value="&quot;operator struggle&quot;"/>
+    <we:property name="pageName" value="&quot;e2aa64cf70e27b69f8a1&quot;"/>
+    <we:property name="reportEmbeddedTime" value="&quot;2025-09-13T03:25:37.488Z&quot;"/>
+    <we:property name="reportName" value="&quot;Manufacturing+Downtime&quot;"/>
+    <we:property name="reportState" value="&quot;CONNECTED&quot;"/>
+    <we:property name="reportUrl" value="&quot;/groups/me/reports/747fa62c-e832-46e4-9baf-f59f24d970e0/e2aa64cf70e27b69f8a1?bookmarkGuid=a0b20ec4-9a9b-417c-93c3-d8992ccb1468&amp;bookmarkUsage=1&amp;ctid=dacd2b88-5982-4eca-8fc3-d5adb76c4def&amp;fromEntryPoint=export&quot;"/>
   </we:properties>
   <we:bindings/>
   <we:snapshot xmlns:r="http://schemas.openxmlformats.org/officeDocument/2006/relationships" r:embed="rId1"/>
@@ -3955,6 +4080,24 @@
 </file>
 
 <file path=customXml/item1.xml><?xml version="1.0" encoding="utf-8"?>
+<?mso-contentType ?>
+<FormTemplates xmlns="http://schemas.microsoft.com/sharepoint/v3/contenttype/forms">
+  <Display>DocumentLibraryForm</Display>
+  <Edit>DocumentLibraryForm</Edit>
+  <New>DocumentLibraryForm</New>
+</FormTemplates>
+</file>
+
+<file path=customXml/item2.xml><?xml version="1.0" encoding="utf-8"?>
+<p:properties xmlns:p="http://schemas.microsoft.com/office/2006/metadata/properties" xmlns:xsi="http://www.w3.org/2001/XMLSchema-instance" xmlns:pc="http://schemas.microsoft.com/office/infopath/2007/PartnerControls">
+  <documentManagement>
+    <Document_x0020_Purpose xmlns="f577acbf-5b0b-4b4f-9948-268e97f8d3a4">Informational</Document_x0020_Purpose>
+    <Initiatives xmlns="f577acbf-5b0b-4b4f-9948-268e97f8d3a4"/>
+  </documentManagement>
+</p:properties>
+</file>
+
+<file path=customXml/item3.xml><?xml version="1.0" encoding="utf-8"?>
 <ct:contentTypeSchema xmlns:ct="http://schemas.microsoft.com/office/2006/metadata/contentType" xmlns:ma="http://schemas.microsoft.com/office/2006/metadata/properties/metaAttributes" ct:_="" ma:_="" ma:contentTypeName="Document" ma:contentTypeID="0x010100CD401524DC532D42A0E0ED886331A72B" ma:contentTypeVersion="15" ma:contentTypeDescription="Create a new document." ma:contentTypeScope="" ma:versionID="aba17d7263e5a17e1efe42a3571abb41">
   <xsd:schema xmlns:xsd="http://www.w3.org/2001/XMLSchema" xmlns:xs="http://www.w3.org/2001/XMLSchema" xmlns:p="http://schemas.microsoft.com/office/2006/metadata/properties" xmlns:ns2="f577acbf-5b0b-4b4f-9948-268e97f8d3a4" xmlns:ns3="b1e4d6ee-9f6f-43f8-a618-24f3d84da28f" targetNamespace="http://schemas.microsoft.com/office/2006/metadata/properties" ma:root="true" ma:fieldsID="e4e3c9c8ed1c3d723d02c9f1cb24d19a" ns2:_="" ns3:_="">
     <xsd:import namespace="f577acbf-5b0b-4b4f-9948-268e97f8d3a4"/>
@@ -4210,39 +4353,10 @@
 </ct:contentTypeSchema>
 </file>
 
-<file path=customXml/item2.xml><?xml version="1.0" encoding="utf-8"?>
-<p:properties xmlns:p="http://schemas.microsoft.com/office/2006/metadata/properties" xmlns:xsi="http://www.w3.org/2001/XMLSchema-instance" xmlns:pc="http://schemas.microsoft.com/office/infopath/2007/PartnerControls">
-  <documentManagement>
-    <Document_x0020_Purpose xmlns="f577acbf-5b0b-4b4f-9948-268e97f8d3a4">Informational</Document_x0020_Purpose>
-    <Initiatives xmlns="f577acbf-5b0b-4b4f-9948-268e97f8d3a4"/>
-  </documentManagement>
-</p:properties>
-</file>
-
-<file path=customXml/item3.xml><?xml version="1.0" encoding="utf-8"?>
-<?mso-contentType ?>
-<FormTemplates xmlns="http://schemas.microsoft.com/sharepoint/v3/contenttype/forms">
-  <Display>DocumentLibraryForm</Display>
-  <Edit>DocumentLibraryForm</Edit>
-  <New>DocumentLibraryForm</New>
-</FormTemplates>
-</file>
-
 <file path=customXml/itemProps1.xml><?xml version="1.0" encoding="utf-8"?>
-<ds:datastoreItem xmlns:ds="http://schemas.openxmlformats.org/officeDocument/2006/customXml" ds:itemID="{1DD29C39-1C4E-4B06-A1F4-2510F2DACF6E}">
+<ds:datastoreItem xmlns:ds="http://schemas.openxmlformats.org/officeDocument/2006/customXml" ds:itemID="{E21AFCC0-734A-4A90-A597-A1CB34860DCD}">
   <ds:schemaRefs>
-    <ds:schemaRef ds:uri="http://schemas.microsoft.com/office/2006/metadata/contentType"/>
-    <ds:schemaRef ds:uri="http://schemas.microsoft.com/office/2006/metadata/properties/metaAttributes"/>
-    <ds:schemaRef ds:uri="http://www.w3.org/2001/XMLSchema"/>
-    <ds:schemaRef ds:uri="http://schemas.microsoft.com/office/2006/metadata/properties"/>
-    <ds:schemaRef ds:uri="f577acbf-5b0b-4b4f-9948-268e97f8d3a4"/>
-    <ds:schemaRef ds:uri="b1e4d6ee-9f6f-43f8-a618-24f3d84da28f"/>
-    <ds:schemaRef ds:uri="http://schemas.microsoft.com/office/2006/documentManagement/types"/>
-    <ds:schemaRef ds:uri="http://schemas.microsoft.com/office/infopath/2007/PartnerControls"/>
-    <ds:schemaRef ds:uri="http://schemas.openxmlformats.org/package/2006/metadata/core-properties"/>
-    <ds:schemaRef ds:uri="http://purl.org/dc/elements/1.1/"/>
-    <ds:schemaRef ds:uri="http://purl.org/dc/terms/"/>
-    <ds:schemaRef ds:uri="http://schemas.microsoft.com/internal/obd"/>
+    <ds:schemaRef ds:uri="http://schemas.microsoft.com/sharepoint/v3/contenttype/forms"/>
   </ds:schemaRefs>
 </ds:datastoreItem>
 </file>
@@ -4265,9 +4379,20 @@
 </file>
 
 <file path=customXml/itemProps3.xml><?xml version="1.0" encoding="utf-8"?>
-<ds:datastoreItem xmlns:ds="http://schemas.openxmlformats.org/officeDocument/2006/customXml" ds:itemID="{E21AFCC0-734A-4A90-A597-A1CB34860DCD}">
+<ds:datastoreItem xmlns:ds="http://schemas.openxmlformats.org/officeDocument/2006/customXml" ds:itemID="{1DD29C39-1C4E-4B06-A1F4-2510F2DACF6E}">
   <ds:schemaRefs>
-    <ds:schemaRef ds:uri="http://schemas.microsoft.com/sharepoint/v3/contenttype/forms"/>
+    <ds:schemaRef ds:uri="http://schemas.microsoft.com/office/2006/metadata/contentType"/>
+    <ds:schemaRef ds:uri="http://schemas.microsoft.com/office/2006/metadata/properties/metaAttributes"/>
+    <ds:schemaRef ds:uri="http://www.w3.org/2001/XMLSchema"/>
+    <ds:schemaRef ds:uri="http://schemas.microsoft.com/office/2006/metadata/properties"/>
+    <ds:schemaRef ds:uri="f577acbf-5b0b-4b4f-9948-268e97f8d3a4"/>
+    <ds:schemaRef ds:uri="b1e4d6ee-9f6f-43f8-a618-24f3d84da28f"/>
+    <ds:schemaRef ds:uri="http://schemas.microsoft.com/office/2006/documentManagement/types"/>
+    <ds:schemaRef ds:uri="http://schemas.microsoft.com/office/infopath/2007/PartnerControls"/>
+    <ds:schemaRef ds:uri="http://schemas.openxmlformats.org/package/2006/metadata/core-properties"/>
+    <ds:schemaRef ds:uri="http://purl.org/dc/elements/1.1/"/>
+    <ds:schemaRef ds:uri="http://purl.org/dc/terms/"/>
+    <ds:schemaRef ds:uri="http://schemas.microsoft.com/internal/obd"/>
   </ds:schemaRefs>
 </ds:datastoreItem>
 </file>